--- a/LotteryApp.pptx
+++ b/LotteryApp.pptx
@@ -3672,7 +3672,7 @@
           <a:p>
             <a:fld id="{88D38747-4367-4BD2-8D51-C97E202738E2}" type="datetime1">
               <a:rPr lang="en-US" smtClean="0"/>
-              <a:t>6/5/2021</a:t>
+              <a:t>6/6/2021</a:t>
             </a:fld>
             <a:endParaRPr lang="en-US" dirty="0"/>
           </a:p>
@@ -3977,7 +3977,7 @@
           <a:p>
             <a:fld id="{11F1B079-7EF0-44EE-B798-BCC497C9F3B2}" type="datetime1">
               <a:rPr lang="en-US" smtClean="0"/>
-              <a:t>6/5/2021</a:t>
+              <a:t>6/6/2021</a:t>
             </a:fld>
             <a:endParaRPr lang="en-US" dirty="0"/>
           </a:p>
@@ -4171,7 +4171,7 @@
           <a:p>
             <a:fld id="{28FF70A8-1D13-4657-95F0-A9EA54967B8D}" type="datetime1">
               <a:rPr lang="en-US" smtClean="0"/>
-              <a:t>6/5/2021</a:t>
+              <a:t>6/6/2021</a:t>
             </a:fld>
             <a:endParaRPr lang="en-US" dirty="0"/>
           </a:p>
@@ -4434,7 +4434,7 @@
           <a:p>
             <a:fld id="{21EB90AC-71BD-4C7F-8ACA-7B3F18292E63}" type="datetime1">
               <a:rPr lang="en-US" smtClean="0"/>
-              <a:t>6/5/2021</a:t>
+              <a:t>6/6/2021</a:t>
             </a:fld>
             <a:endParaRPr lang="en-US" dirty="0"/>
           </a:p>
@@ -4870,7 +4870,7 @@
           <a:p>
             <a:fld id="{4E6EFC2C-8905-46F0-B443-CE905B76BA01}" type="datetime1">
               <a:rPr lang="en-US" smtClean="0"/>
-              <a:t>6/5/2021</a:t>
+              <a:t>6/6/2021</a:t>
             </a:fld>
             <a:endParaRPr lang="en-US" dirty="0"/>
           </a:p>
@@ -5407,7 +5407,7 @@
           <a:p>
             <a:fld id="{D9079DC3-C9B5-499E-9140-0DC28B7074E2}" type="datetime1">
               <a:rPr lang="en-US" smtClean="0"/>
-              <a:t>6/5/2021</a:t>
+              <a:t>6/6/2021</a:t>
             </a:fld>
             <a:endParaRPr lang="en-US" dirty="0"/>
           </a:p>
@@ -6289,7 +6289,7 @@
           <a:p>
             <a:fld id="{30BB33EA-E472-4D22-9C03-A9C14AA21CED}" type="datetime1">
               <a:rPr lang="en-US" smtClean="0"/>
-              <a:t>6/5/2021</a:t>
+              <a:t>6/6/2021</a:t>
             </a:fld>
             <a:endParaRPr lang="en-US" dirty="0"/>
           </a:p>
@@ -6459,7 +6459,7 @@
           <a:p>
             <a:fld id="{73C55A3C-5767-4844-A0A3-83778C2E5409}" type="datetime1">
               <a:rPr lang="en-US" smtClean="0"/>
-              <a:t>6/5/2021</a:t>
+              <a:t>6/6/2021</a:t>
             </a:fld>
             <a:endParaRPr lang="en-US" dirty="0"/>
           </a:p>
@@ -6703,7 +6703,7 @@
           <a:p>
             <a:fld id="{CAE507A8-A5CF-4D38-AB86-7EDDA87A85D4}" type="datetime1">
               <a:rPr lang="en-US" smtClean="0"/>
-              <a:t>6/5/2021</a:t>
+              <a:t>6/6/2021</a:t>
             </a:fld>
             <a:endParaRPr lang="en-US" dirty="0"/>
           </a:p>
@@ -6945,7 +6945,7 @@
           <a:p>
             <a:fld id="{BDFCD27C-8599-43EF-BA1D-14DDC1946E06}" type="datetime1">
               <a:rPr lang="en-US" smtClean="0"/>
-              <a:t>6/5/2021</a:t>
+              <a:t>6/6/2021</a:t>
             </a:fld>
             <a:endParaRPr lang="en-US" dirty="0"/>
           </a:p>
@@ -7428,7 +7428,7 @@
           <a:p>
             <a:fld id="{49343D99-809A-49C0-96E5-4250D0B498EE}" type="datetime1">
               <a:rPr lang="en-US" smtClean="0"/>
-              <a:t>6/5/2021</a:t>
+              <a:t>6/6/2021</a:t>
             </a:fld>
             <a:endParaRPr lang="en-US" dirty="0"/>
           </a:p>
@@ -7546,7 +7546,7 @@
           <a:p>
             <a:fld id="{A143DE9B-B678-4EFB-BB7D-A4370204A0B0}" type="datetime1">
               <a:rPr lang="en-US" smtClean="0"/>
-              <a:t>6/5/2021</a:t>
+              <a:t>6/6/2021</a:t>
             </a:fld>
             <a:endParaRPr lang="en-US" dirty="0"/>
           </a:p>
@@ -7641,7 +7641,7 @@
           <a:p>
             <a:fld id="{E68812DA-F765-4142-A6A3-A8ED7235E082}" type="datetime1">
               <a:rPr lang="en-US" smtClean="0"/>
-              <a:t>6/5/2021</a:t>
+              <a:t>6/6/2021</a:t>
             </a:fld>
             <a:endParaRPr lang="en-US" dirty="0"/>
           </a:p>
@@ -7896,7 +7896,7 @@
           <a:p>
             <a:fld id="{3E0277FD-7DE6-41D4-930D-AC99F5AFE54E}" type="datetime1">
               <a:rPr lang="en-US" smtClean="0"/>
-              <a:t>6/5/2021</a:t>
+              <a:t>6/6/2021</a:t>
             </a:fld>
             <a:endParaRPr lang="en-US" dirty="0"/>
           </a:p>
@@ -8203,7 +8203,7 @@
           <a:p>
             <a:fld id="{9EA15526-7079-4B7B-987C-1B5FAE11A0FF}" type="datetime1">
               <a:rPr lang="en-US" smtClean="0"/>
-              <a:t>6/5/2021</a:t>
+              <a:t>6/6/2021</a:t>
             </a:fld>
             <a:endParaRPr lang="en-US" dirty="0"/>
           </a:p>
@@ -8438,7 +8438,7 @@
           <a:p>
             <a:fld id="{073ED0CC-082F-4160-86E5-0D6041F12778}" type="datetime1">
               <a:rPr lang="en-US" smtClean="0"/>
-              <a:t>6/5/2021</a:t>
+              <a:t>6/6/2021</a:t>
             </a:fld>
             <a:endParaRPr lang="en-US" dirty="0"/>
           </a:p>
@@ -9353,7 +9353,7 @@
           </a:effectLst>
           <a:extLst>
             <a:ext uri="{91240B29-F687-4f45-9708-019B960494DF}">
-              <a14:hiddenLine xmlns:a16="http://schemas.microsoft.com/office/drawing/2014/main" xmlns:p14="http://schemas.microsoft.com/office/powerpoint/2010/main" xmlns:a14="http://schemas.microsoft.com/office/drawing/2010/main" xmlns="" w="9525">
+              <a14:hiddenLine xmlns="" xmlns:a14="http://schemas.microsoft.com/office/drawing/2010/main" xmlns:p14="http://schemas.microsoft.com/office/powerpoint/2010/main" xmlns:a16="http://schemas.microsoft.com/office/drawing/2014/main" w="9525">
                 <a:solidFill>
                   <a:srgbClr val="000000"/>
                 </a:solidFill>
@@ -9536,8 +9536,8 @@
   <p:clrMapOvr>
     <a:masterClrMapping/>
   </p:clrMapOvr>
-  <mc:AlternateContent xmlns:mc="http://schemas.openxmlformats.org/markup-compatibility/2006">
-    <mc:Choice xmlns:p14="http://schemas.microsoft.com/office/powerpoint/2010/main" Requires="p14">
+  <mc:AlternateContent xmlns:mc="http://schemas.openxmlformats.org/markup-compatibility/2006" xmlns:p14="http://schemas.microsoft.com/office/powerpoint/2010/main">
+    <mc:Choice Requires="p14">
       <p:transition spd="slow" p14:dur="2000">
         <p:sndAc>
           <p:stSnd>
@@ -9546,11 +9546,11 @@
         </p:sndAc>
       </p:transition>
     </mc:Choice>
-    <mc:Fallback>
+    <mc:Fallback xmlns="">
       <p:transition spd="slow">
         <p:sndAc>
           <p:stSnd>
-            <p:snd r:embed="rId2" name="wind.wav"/>
+            <p:snd r:embed="rId5" name="wind.wav"/>
           </p:stSnd>
         </p:sndAc>
       </p:transition>
@@ -10542,7 +10542,7 @@
         <p:spPr>
           <a:xfrm>
             <a:off x="8531352" y="1636776"/>
-            <a:ext cx="2736205" cy="461665"/>
+            <a:ext cx="2736205" cy="3231654"/>
           </a:xfrm>
           <a:prstGeom prst="rect">
             <a:avLst/>
@@ -10555,15 +10555,82 @@
           </a:bodyPr>
           <a:lstStyle/>
           <a:p>
+            <a:pPr marL="171450" indent="-171450">
+              <a:buFont typeface="Arial" panose="020B0604020202020204" pitchFamily="34" charset="0"/>
+              <a:buChar char="•"/>
+            </a:pPr>
             <a:r>
               <a:rPr lang="en-US" sz="1200" dirty="0"/>
-              <a:t>The Java code Has 5 classes and one </a:t>
+              <a:t>The Java code has 5 classes and one package together. </a:t>
+            </a:r>
+          </a:p>
+          <a:p>
+            <a:pPr marL="171450" indent="-171450">
+              <a:buFont typeface="Arial" panose="020B0604020202020204" pitchFamily="34" charset="0"/>
+              <a:buChar char="•"/>
+            </a:pPr>
+            <a:r>
+              <a:rPr lang="en-US" sz="1200" dirty="0"/>
+              <a:t>The text files contain the Participates names and the Prize files have the list of what prizes are to be given away.</a:t>
+            </a:r>
+          </a:p>
+          <a:p>
+            <a:pPr marL="171450" indent="-171450">
+              <a:buFont typeface="Arial" panose="020B0604020202020204" pitchFamily="34" charset="0"/>
+              <a:buChar char="•"/>
+            </a:pPr>
+            <a:r>
+              <a:rPr lang="en-US" sz="1200" b="1" dirty="0">
+                <a:solidFill>
+                  <a:schemeClr val="accent6">
+                    <a:lumMod val="40000"/>
+                    <a:lumOff val="60000"/>
+                  </a:schemeClr>
+                </a:solidFill>
+              </a:rPr>
+              <a:t>Validation class </a:t>
+            </a:r>
+            <a:r>
+              <a:rPr lang="en-US" sz="1200" dirty="0"/>
+              <a:t>is utilized to verify if, True or False Boolean; that the number of prizes which are to given away are less than or equal to the amount elected to be given away</a:t>
+            </a:r>
+          </a:p>
+          <a:p>
+            <a:pPr marL="171450" indent="-171450">
+              <a:buFont typeface="Arial" panose="020B0604020202020204" pitchFamily="34" charset="0"/>
+              <a:buChar char="•"/>
+            </a:pPr>
+            <a:r>
+              <a:rPr lang="en-US" sz="1200" b="1" dirty="0">
+                <a:solidFill>
+                  <a:schemeClr val="accent6">
+                    <a:lumMod val="40000"/>
+                    <a:lumOff val="60000"/>
+                  </a:schemeClr>
+                </a:solidFill>
+              </a:rPr>
+              <a:t>Common class  </a:t>
+            </a:r>
+            <a:r>
+              <a:rPr lang="en-US" sz="1200" dirty="0"/>
+              <a:t>pulls in files to java then reads the txt files (both participant list and prize name types.  </a:t>
             </a:r>
             <a:r>
               <a:rPr lang="en-US" sz="1200"/>
-              <a:t>package together </a:t>
+              <a:t>Finally </a:t>
             </a:r>
-            <a:endParaRPr lang="en-US" sz="1200" dirty="0"/>
+            <a:r>
+              <a:rPr lang="en-US" sz="1200" dirty="0"/>
+              <a:t>it generates a random number </a:t>
+            </a:r>
+            <a:endParaRPr lang="en-US" sz="1200" b="1" dirty="0">
+              <a:solidFill>
+                <a:schemeClr val="accent6">
+                  <a:lumMod val="40000"/>
+                  <a:lumOff val="60000"/>
+                </a:schemeClr>
+              </a:solidFill>
+            </a:endParaRPr>
           </a:p>
         </p:txBody>
       </p:sp>
@@ -10763,24 +10830,6 @@
 </file>
 
 <file path=customXml/item1.xml><?xml version="1.0" encoding="utf-8"?>
-<p:properties xmlns:p="http://schemas.microsoft.com/office/2006/metadata/properties" xmlns:xsi="http://www.w3.org/2001/XMLSchema-instance" xmlns:pc="http://schemas.microsoft.com/office/infopath/2007/PartnerControls">
-  <documentManagement>
-    <Status xmlns="71af3243-3dd4-4a8d-8c0d-dd76da1f02a5">Not started</Status>
-    <MediaServiceKeyPoints xmlns="71af3243-3dd4-4a8d-8c0d-dd76da1f02a5" xsi:nil="true"/>
-  </documentManagement>
-</p:properties>
-</file>
-
-<file path=customXml/item2.xml><?xml version="1.0" encoding="utf-8"?>
-<?mso-contentType ?>
-<FormTemplates xmlns="http://schemas.microsoft.com/sharepoint/v3/contenttype/forms">
-  <Display>DocumentLibraryForm</Display>
-  <Edit>DocumentLibraryForm</Edit>
-  <New>DocumentLibraryForm</New>
-</FormTemplates>
-</file>
-
-<file path=customXml/item3.xml><?xml version="1.0" encoding="utf-8"?>
 <ct:contentTypeSchema xmlns:ct="http://schemas.microsoft.com/office/2006/metadata/contentType" xmlns:ma="http://schemas.microsoft.com/office/2006/metadata/properties/metaAttributes" ct:_="" ma:_="" ma:contentTypeName="Document" ma:contentTypeID="0x01010079F111ED35F8CC479449609E8A0923A6" ma:contentTypeVersion="12" ma:contentTypeDescription="Create a new document." ma:contentTypeScope="" ma:versionID="a410dd7f93c95333ffa1b60ed6adedd1">
   <xsd:schema xmlns:xsd="http://www.w3.org/2001/XMLSchema" xmlns:xs="http://www.w3.org/2001/XMLSchema" xmlns:p="http://schemas.microsoft.com/office/2006/metadata/properties" xmlns:ns2="71af3243-3dd4-4a8d-8c0d-dd76da1f02a5" xmlns:ns3="16c05727-aa75-4e4a-9b5f-8a80a1165891" targetNamespace="http://schemas.microsoft.com/office/2006/metadata/properties" ma:root="true" ma:fieldsID="a936d9baba76aa3866493feff160faab" ns2:_="" ns3:_="">
     <xsd:import namespace="71af3243-3dd4-4a8d-8c0d-dd76da1f02a5"/>
@@ -11001,25 +11050,25 @@
 </ct:contentTypeSchema>
 </file>
 
-<file path=customXml/itemProps1.xml><?xml version="1.0" encoding="utf-8"?>
-<ds:datastoreItem xmlns:ds="http://schemas.openxmlformats.org/officeDocument/2006/customXml" ds:itemID="{F7E70FC5-1855-47AB-8CE1-CB3C873A8988}">
-  <ds:schemaRefs>
-    <ds:schemaRef ds:uri="http://schemas.microsoft.com/office/2006/metadata/properties"/>
-    <ds:schemaRef ds:uri="http://schemas.microsoft.com/office/infopath/2007/PartnerControls"/>
-    <ds:schemaRef ds:uri="71af3243-3dd4-4a8d-8c0d-dd76da1f02a5"/>
-  </ds:schemaRefs>
-</ds:datastoreItem>
+<file path=customXml/item2.xml><?xml version="1.0" encoding="utf-8"?>
+<?mso-contentType ?>
+<FormTemplates xmlns="http://schemas.microsoft.com/sharepoint/v3/contenttype/forms">
+  <Display>DocumentLibraryForm</Display>
+  <Edit>DocumentLibraryForm</Edit>
+  <New>DocumentLibraryForm</New>
+</FormTemplates>
 </file>
 
-<file path=customXml/itemProps2.xml><?xml version="1.0" encoding="utf-8"?>
-<ds:datastoreItem xmlns:ds="http://schemas.openxmlformats.org/officeDocument/2006/customXml" ds:itemID="{30CB38EC-895A-4F8F-8F75-E263501ABB5A}">
-  <ds:schemaRefs>
-    <ds:schemaRef ds:uri="http://schemas.microsoft.com/sharepoint/v3/contenttype/forms"/>
-  </ds:schemaRefs>
-</ds:datastoreItem>
+<file path=customXml/item3.xml><?xml version="1.0" encoding="utf-8"?>
+<p:properties xmlns:p="http://schemas.microsoft.com/office/2006/metadata/properties" xmlns:xsi="http://www.w3.org/2001/XMLSchema-instance" xmlns:pc="http://schemas.microsoft.com/office/infopath/2007/PartnerControls">
+  <documentManagement>
+    <Status xmlns="71af3243-3dd4-4a8d-8c0d-dd76da1f02a5">Not started</Status>
+    <MediaServiceKeyPoints xmlns="71af3243-3dd4-4a8d-8c0d-dd76da1f02a5" xsi:nil="true"/>
+  </documentManagement>
+</p:properties>
 </file>
 
-<file path=customXml/itemProps3.xml><?xml version="1.0" encoding="utf-8"?>
+<file path=customXml/itemProps1.xml><?xml version="1.0" encoding="utf-8"?>
 <ds:datastoreItem xmlns:ds="http://schemas.openxmlformats.org/officeDocument/2006/customXml" ds:itemID="{5560E646-30AD-4BA0-97EA-A7A07DF5499A}">
   <ds:schemaRefs>
     <ds:schemaRef ds:uri="http://schemas.microsoft.com/office/2006/metadata/contentType"/>
@@ -11036,4 +11085,22 @@
     <ds:schemaRef ds:uri="http://schemas.microsoft.com/internal/obd"/>
   </ds:schemaRefs>
 </ds:datastoreItem>
+</file>
+
+<file path=customXml/itemProps2.xml><?xml version="1.0" encoding="utf-8"?>
+<ds:datastoreItem xmlns:ds="http://schemas.openxmlformats.org/officeDocument/2006/customXml" ds:itemID="{30CB38EC-895A-4F8F-8F75-E263501ABB5A}">
+  <ds:schemaRefs>
+    <ds:schemaRef ds:uri="http://schemas.microsoft.com/sharepoint/v3/contenttype/forms"/>
+  </ds:schemaRefs>
+</ds:datastoreItem>
+</file>
+
+<file path=customXml/itemProps3.xml><?xml version="1.0" encoding="utf-8"?>
+<ds:datastoreItem xmlns:ds="http://schemas.openxmlformats.org/officeDocument/2006/customXml" ds:itemID="{F7E70FC5-1855-47AB-8CE1-CB3C873A8988}">
+  <ds:schemaRefs>
+    <ds:schemaRef ds:uri="http://schemas.microsoft.com/office/2006/metadata/properties"/>
+    <ds:schemaRef ds:uri="http://schemas.microsoft.com/office/infopath/2007/PartnerControls"/>
+    <ds:schemaRef ds:uri="71af3243-3dd4-4a8d-8c0d-dd76da1f02a5"/>
+  </ds:schemaRefs>
+</ds:datastoreItem>
 </file>
--- a/LotteryApp.pptx
+++ b/LotteryApp.pptx
@@ -9353,7 +9353,7 @@
           </a:effectLst>
           <a:extLst>
             <a:ext uri="{91240B29-F687-4f45-9708-019B960494DF}">
-              <a14:hiddenLine xmlns="" xmlns:a14="http://schemas.microsoft.com/office/drawing/2010/main" xmlns:p14="http://schemas.microsoft.com/office/powerpoint/2010/main" xmlns:a16="http://schemas.microsoft.com/office/drawing/2014/main" w="9525">
+              <a14:hiddenLine xmlns:a16="http://schemas.microsoft.com/office/drawing/2014/main" xmlns:p14="http://schemas.microsoft.com/office/powerpoint/2010/main" xmlns:a14="http://schemas.microsoft.com/office/drawing/2010/main" xmlns="" w="9525">
                 <a:solidFill>
                   <a:srgbClr val="000000"/>
                 </a:solidFill>
@@ -10541,8 +10541,8 @@
         </p:nvSpPr>
         <p:spPr>
           <a:xfrm>
-            <a:off x="8531352" y="1636776"/>
-            <a:ext cx="2736205" cy="3231654"/>
+            <a:off x="8904214" y="243512"/>
+            <a:ext cx="2736205" cy="6370975"/>
           </a:xfrm>
           <a:prstGeom prst="rect">
             <a:avLst/>
@@ -10571,7 +10571,28 @@
             </a:pPr>
             <a:r>
               <a:rPr lang="en-US" sz="1200" dirty="0"/>
-              <a:t>The text files contain the Participates names and the Prize files have the list of what prizes are to be given away.</a:t>
+              <a:t>The text files contain the Participates names and the Prize files which have the list of what prizes are to be given away.</a:t>
+            </a:r>
+          </a:p>
+          <a:p>
+            <a:pPr marL="171450" indent="-171450">
+              <a:buFont typeface="Arial" panose="020B0604020202020204" pitchFamily="34" charset="0"/>
+              <a:buChar char="•"/>
+            </a:pPr>
+            <a:r>
+              <a:rPr lang="en-US" sz="1200" b="1" dirty="0">
+                <a:solidFill>
+                  <a:schemeClr val="accent6">
+                    <a:lumMod val="40000"/>
+                    <a:lumOff val="60000"/>
+                  </a:schemeClr>
+                </a:solidFill>
+              </a:rPr>
+              <a:t>Main class </a:t>
+            </a:r>
+            <a:r>
+              <a:rPr lang="en-US" sz="1200" dirty="0"/>
+              <a:t>asked administrator for number of prizes to be awarded and verifies database existence.  This class also prints out the winners.</a:t>
             </a:r>
           </a:p>
           <a:p>
@@ -10613,24 +10634,93 @@
             </a:r>
             <a:r>
               <a:rPr lang="en-US" sz="1200" dirty="0"/>
-              <a:t>pulls in files to java then reads the txt files (both participant list and prize name types.  </a:t>
-            </a:r>
-            <a:r>
-              <a:rPr lang="en-US" sz="1200"/>
-              <a:t>Finally </a:t>
+              <a:t>pulls in files to java then reads the txt files (both participant list and prize name types.  The program then generates a random number using get Random method and assigns a winning number to a participant.</a:t>
+            </a:r>
+          </a:p>
+          <a:p>
+            <a:pPr marL="171450" indent="-171450">
+              <a:buFont typeface="Arial" panose="020B0604020202020204" pitchFamily="34" charset="0"/>
+              <a:buChar char="•"/>
+            </a:pPr>
+            <a:r>
+              <a:rPr lang="en-US" sz="1200" b="1" dirty="0" err="1">
+                <a:solidFill>
+                  <a:schemeClr val="accent6">
+                    <a:lumMod val="40000"/>
+                    <a:lumOff val="60000"/>
+                  </a:schemeClr>
+                </a:solidFill>
+              </a:rPr>
+              <a:t>DatabaseAdmin</a:t>
+            </a:r>
+            <a:r>
+              <a:rPr lang="en-US" sz="1200" b="1" dirty="0">
+                <a:solidFill>
+                  <a:schemeClr val="accent6">
+                    <a:lumMod val="40000"/>
+                    <a:lumOff val="60000"/>
+                  </a:schemeClr>
+                </a:solidFill>
+              </a:rPr>
+              <a:t> class </a:t>
             </a:r>
             <a:r>
               <a:rPr lang="en-US" sz="1200" dirty="0"/>
-              <a:t>it generates a random number </a:t>
-            </a:r>
-            <a:endParaRPr lang="en-US" sz="1200" b="1" dirty="0">
-              <a:solidFill>
-                <a:schemeClr val="accent6">
-                  <a:lumMod val="40000"/>
-                  <a:lumOff val="60000"/>
-                </a:schemeClr>
-              </a:solidFill>
-            </a:endParaRPr>
+              <a:t>takes winning names, awarded prize and date of contest and store them in a SQLite database.</a:t>
+            </a:r>
+          </a:p>
+          <a:p>
+            <a:pPr marL="171450" indent="-171450">
+              <a:buFont typeface="Arial" panose="020B0604020202020204" pitchFamily="34" charset="0"/>
+              <a:buChar char="•"/>
+            </a:pPr>
+            <a:r>
+              <a:rPr lang="en-US" sz="1200" b="1" dirty="0" err="1">
+                <a:solidFill>
+                  <a:schemeClr val="accent6">
+                    <a:lumMod val="40000"/>
+                    <a:lumOff val="60000"/>
+                  </a:schemeClr>
+                </a:solidFill>
+              </a:rPr>
+              <a:t>GetHistoryJava</a:t>
+            </a:r>
+            <a:r>
+              <a:rPr lang="en-US" sz="1200" b="1" dirty="0">
+                <a:solidFill>
+                  <a:schemeClr val="accent6">
+                    <a:lumMod val="40000"/>
+                    <a:lumOff val="60000"/>
+                  </a:schemeClr>
+                </a:solidFill>
+              </a:rPr>
+              <a:t> class </a:t>
+            </a:r>
+            <a:r>
+              <a:rPr lang="en-US" sz="1200" dirty="0"/>
+              <a:t>confirms database exist and prints out if error occurred.</a:t>
+            </a:r>
+          </a:p>
+          <a:p>
+            <a:pPr marL="171450" indent="-171450">
+              <a:buFont typeface="Arial" panose="020B0604020202020204" pitchFamily="34" charset="0"/>
+              <a:buChar char="•"/>
+            </a:pPr>
+            <a:r>
+              <a:rPr lang="en-US" sz="1200" b="1" dirty="0">
+                <a:solidFill>
+                  <a:schemeClr val="accent6">
+                    <a:lumMod val="40000"/>
+                    <a:lumOff val="60000"/>
+                  </a:schemeClr>
+                </a:solidFill>
+              </a:rPr>
+              <a:t>Package class </a:t>
+            </a:r>
+            <a:r>
+              <a:rPr lang="en-US" sz="1200" dirty="0"/>
+              <a:t>a mechanism for encapsulation of the 4 classes preventing naming conflict</a:t>
+            </a:r>
           </a:p>
         </p:txBody>
       </p:sp>
@@ -10830,6 +10920,24 @@
 </file>
 
 <file path=customXml/item1.xml><?xml version="1.0" encoding="utf-8"?>
+<p:properties xmlns:p="http://schemas.microsoft.com/office/2006/metadata/properties" xmlns:xsi="http://www.w3.org/2001/XMLSchema-instance" xmlns:pc="http://schemas.microsoft.com/office/infopath/2007/PartnerControls">
+  <documentManagement>
+    <Status xmlns="71af3243-3dd4-4a8d-8c0d-dd76da1f02a5">Not started</Status>
+    <MediaServiceKeyPoints xmlns="71af3243-3dd4-4a8d-8c0d-dd76da1f02a5" xsi:nil="true"/>
+  </documentManagement>
+</p:properties>
+</file>
+
+<file path=customXml/item2.xml><?xml version="1.0" encoding="utf-8"?>
+<?mso-contentType ?>
+<FormTemplates xmlns="http://schemas.microsoft.com/sharepoint/v3/contenttype/forms">
+  <Display>DocumentLibraryForm</Display>
+  <Edit>DocumentLibraryForm</Edit>
+  <New>DocumentLibraryForm</New>
+</FormTemplates>
+</file>
+
+<file path=customXml/item3.xml><?xml version="1.0" encoding="utf-8"?>
 <ct:contentTypeSchema xmlns:ct="http://schemas.microsoft.com/office/2006/metadata/contentType" xmlns:ma="http://schemas.microsoft.com/office/2006/metadata/properties/metaAttributes" ct:_="" ma:_="" ma:contentTypeName="Document" ma:contentTypeID="0x01010079F111ED35F8CC479449609E8A0923A6" ma:contentTypeVersion="12" ma:contentTypeDescription="Create a new document." ma:contentTypeScope="" ma:versionID="a410dd7f93c95333ffa1b60ed6adedd1">
   <xsd:schema xmlns:xsd="http://www.w3.org/2001/XMLSchema" xmlns:xs="http://www.w3.org/2001/XMLSchema" xmlns:p="http://schemas.microsoft.com/office/2006/metadata/properties" xmlns:ns2="71af3243-3dd4-4a8d-8c0d-dd76da1f02a5" xmlns:ns3="16c05727-aa75-4e4a-9b5f-8a80a1165891" targetNamespace="http://schemas.microsoft.com/office/2006/metadata/properties" ma:root="true" ma:fieldsID="a936d9baba76aa3866493feff160faab" ns2:_="" ns3:_="">
     <xsd:import namespace="71af3243-3dd4-4a8d-8c0d-dd76da1f02a5"/>
@@ -11050,25 +11158,25 @@
 </ct:contentTypeSchema>
 </file>
 
-<file path=customXml/item2.xml><?xml version="1.0" encoding="utf-8"?>
-<?mso-contentType ?>
-<FormTemplates xmlns="http://schemas.microsoft.com/sharepoint/v3/contenttype/forms">
-  <Display>DocumentLibraryForm</Display>
-  <Edit>DocumentLibraryForm</Edit>
-  <New>DocumentLibraryForm</New>
-</FormTemplates>
+<file path=customXml/itemProps1.xml><?xml version="1.0" encoding="utf-8"?>
+<ds:datastoreItem xmlns:ds="http://schemas.openxmlformats.org/officeDocument/2006/customXml" ds:itemID="{F7E70FC5-1855-47AB-8CE1-CB3C873A8988}">
+  <ds:schemaRefs>
+    <ds:schemaRef ds:uri="http://schemas.microsoft.com/office/2006/metadata/properties"/>
+    <ds:schemaRef ds:uri="http://schemas.microsoft.com/office/infopath/2007/PartnerControls"/>
+    <ds:schemaRef ds:uri="71af3243-3dd4-4a8d-8c0d-dd76da1f02a5"/>
+  </ds:schemaRefs>
+</ds:datastoreItem>
 </file>
 
-<file path=customXml/item3.xml><?xml version="1.0" encoding="utf-8"?>
-<p:properties xmlns:p="http://schemas.microsoft.com/office/2006/metadata/properties" xmlns:xsi="http://www.w3.org/2001/XMLSchema-instance" xmlns:pc="http://schemas.microsoft.com/office/infopath/2007/PartnerControls">
-  <documentManagement>
-    <Status xmlns="71af3243-3dd4-4a8d-8c0d-dd76da1f02a5">Not started</Status>
-    <MediaServiceKeyPoints xmlns="71af3243-3dd4-4a8d-8c0d-dd76da1f02a5" xsi:nil="true"/>
-  </documentManagement>
-</p:properties>
+<file path=customXml/itemProps2.xml><?xml version="1.0" encoding="utf-8"?>
+<ds:datastoreItem xmlns:ds="http://schemas.openxmlformats.org/officeDocument/2006/customXml" ds:itemID="{30CB38EC-895A-4F8F-8F75-E263501ABB5A}">
+  <ds:schemaRefs>
+    <ds:schemaRef ds:uri="http://schemas.microsoft.com/sharepoint/v3/contenttype/forms"/>
+  </ds:schemaRefs>
+</ds:datastoreItem>
 </file>
 
-<file path=customXml/itemProps1.xml><?xml version="1.0" encoding="utf-8"?>
+<file path=customXml/itemProps3.xml><?xml version="1.0" encoding="utf-8"?>
 <ds:datastoreItem xmlns:ds="http://schemas.openxmlformats.org/officeDocument/2006/customXml" ds:itemID="{5560E646-30AD-4BA0-97EA-A7A07DF5499A}">
   <ds:schemaRefs>
     <ds:schemaRef ds:uri="http://schemas.microsoft.com/office/2006/metadata/contentType"/>
@@ -11085,22 +11193,4 @@
     <ds:schemaRef ds:uri="http://schemas.microsoft.com/internal/obd"/>
   </ds:schemaRefs>
 </ds:datastoreItem>
-</file>
-
-<file path=customXml/itemProps2.xml><?xml version="1.0" encoding="utf-8"?>
-<ds:datastoreItem xmlns:ds="http://schemas.openxmlformats.org/officeDocument/2006/customXml" ds:itemID="{30CB38EC-895A-4F8F-8F75-E263501ABB5A}">
-  <ds:schemaRefs>
-    <ds:schemaRef ds:uri="http://schemas.microsoft.com/sharepoint/v3/contenttype/forms"/>
-  </ds:schemaRefs>
-</ds:datastoreItem>
-</file>
-
-<file path=customXml/itemProps3.xml><?xml version="1.0" encoding="utf-8"?>
-<ds:datastoreItem xmlns:ds="http://schemas.openxmlformats.org/officeDocument/2006/customXml" ds:itemID="{F7E70FC5-1855-47AB-8CE1-CB3C873A8988}">
-  <ds:schemaRefs>
-    <ds:schemaRef ds:uri="http://schemas.microsoft.com/office/2006/metadata/properties"/>
-    <ds:schemaRef ds:uri="http://schemas.microsoft.com/office/infopath/2007/PartnerControls"/>
-    <ds:schemaRef ds:uri="71af3243-3dd4-4a8d-8c0d-dd76da1f02a5"/>
-  </ds:schemaRefs>
-</ds:datastoreItem>
 </file>